--- a/notebooks/HomeworkTemplete.pptx
+++ b/notebooks/HomeworkTemplete.pptx
@@ -5,10 +5,11 @@
     <p:sldMasterId id="2147483660" r:id="rId1"/>
   </p:sldMasterIdLst>
   <p:notesMasterIdLst>
-    <p:notesMasterId r:id="rId3"/>
+    <p:notesMasterId r:id="rId4"/>
   </p:notesMasterIdLst>
   <p:sldIdLst>
     <p:sldId id="6606" r:id="rId2"/>
+    <p:sldId id="6607" r:id="rId3"/>
   </p:sldIdLst>
   <p:sldSz cx="12192000" cy="6858000"/>
   <p:notesSz cx="6858000" cy="9144000"/>
@@ -224,7 +225,7 @@
           <a:p>
             <a:fld id="{13426CC4-E5B7-AE4E-8F89-14FC7988AE14}" type="datetimeFigureOut">
               <a:rPr kumimoji="1" lang="ja-JP" altLang="en-US" smtClean="0"/>
-              <a:t>2022/5/24</a:t>
+              <a:t>2022/5/26</a:t>
             </a:fld>
             <a:endParaRPr kumimoji="1" lang="ja-JP" altLang="en-US"/>
           </a:p>
@@ -2968,8 +2969,8 @@
         </p:nvSpPr>
         <p:spPr>
           <a:xfrm>
-            <a:off x="609599" y="3750077"/>
-            <a:ext cx="11202100" cy="1017617"/>
+            <a:off x="609599" y="4131123"/>
+            <a:ext cx="11202100" cy="1959284"/>
           </a:xfrm>
           <a:prstGeom prst="rect">
             <a:avLst/>
@@ -3154,14 +3155,14 @@
           <p:nvPr>
             <p:extLst>
               <p:ext uri="{D42A27DB-BD31-4B8C-83A1-F6EECF244321}">
-                <p14:modId xmlns:p14="http://schemas.microsoft.com/office/powerpoint/2010/main" val="2365182470"/>
+                <p14:modId xmlns:p14="http://schemas.microsoft.com/office/powerpoint/2010/main" val="4074297805"/>
               </p:ext>
             </p:extLst>
           </p:nvPr>
         </p:nvGraphicFramePr>
         <p:xfrm>
           <a:off x="609599" y="1625594"/>
-          <a:ext cx="11202100" cy="1691640"/>
+          <a:ext cx="11202100" cy="2062480"/>
         </p:xfrm>
         <a:graphic>
           <a:graphicData uri="http://schemas.openxmlformats.org/drawingml/2006/table">
@@ -3170,28 +3171,35 @@
                 <a:tableStyleId>{5C22544A-7EE6-4342-B048-85BDC9FD1C3A}</a:tableStyleId>
               </a:tblPr>
               <a:tblGrid>
-                <a:gridCol w="2855054">
+                <a:gridCol w="2284043">
                   <a:extLst>
                     <a:ext uri="{9D8B030D-6E8A-4147-A177-3AD203B41FA5}">
                       <a16:colId xmlns:a16="http://schemas.microsoft.com/office/drawing/2014/main" val="1320695899"/>
                     </a:ext>
                   </a:extLst>
                 </a:gridCol>
-                <a:gridCol w="1258349">
+                <a:gridCol w="1006679">
                   <a:extLst>
                     <a:ext uri="{9D8B030D-6E8A-4147-A177-3AD203B41FA5}">
                       <a16:colId xmlns:a16="http://schemas.microsoft.com/office/drawing/2014/main" val="2969727019"/>
                     </a:ext>
                   </a:extLst>
                 </a:gridCol>
-                <a:gridCol w="4288172">
+                <a:gridCol w="3430538">
                   <a:extLst>
                     <a:ext uri="{9D8B030D-6E8A-4147-A177-3AD203B41FA5}">
                       <a16:colId xmlns:a16="http://schemas.microsoft.com/office/drawing/2014/main" val="1321020354"/>
                     </a:ext>
                   </a:extLst>
                 </a:gridCol>
-                <a:gridCol w="2800525">
+                <a:gridCol w="2240420">
+                  <a:extLst>
+                    <a:ext uri="{9D8B030D-6E8A-4147-A177-3AD203B41FA5}">
+                      <a16:colId xmlns:a16="http://schemas.microsoft.com/office/drawing/2014/main" val="2378955088"/>
+                    </a:ext>
+                  </a:extLst>
+                </a:gridCol>
+                <a:gridCol w="2240420">
                   <a:extLst>
                     <a:ext uri="{9D8B030D-6E8A-4147-A177-3AD203B41FA5}">
                       <a16:colId xmlns:a16="http://schemas.microsoft.com/office/drawing/2014/main" val="1799966455"/>
@@ -3243,6 +3251,22 @@
                           <a:ea typeface="Meiryo UI" panose="020B0604030504040204" pitchFamily="50" charset="-128"/>
                         </a:rPr>
                         <a:t>対象文書</a:t>
+                      </a:r>
+                    </a:p>
+                  </a:txBody>
+                  <a:tcPr/>
+                </a:tc>
+                <a:tc>
+                  <a:txBody>
+                    <a:bodyPr/>
+                    <a:lstStyle/>
+                    <a:p>
+                      <a:r>
+                        <a:rPr kumimoji="1" lang="ja-JP" altLang="en-US" sz="1600" dirty="0">
+                          <a:latin typeface="Meiryo UI" panose="020B0604030504040204" pitchFamily="50" charset="-128"/>
+                          <a:ea typeface="Meiryo UI" panose="020B0604030504040204" pitchFamily="50" charset="-128"/>
+                        </a:rPr>
+                        <a:t>言語</a:t>
                       </a:r>
                     </a:p>
                   </a:txBody>
@@ -3352,6 +3376,22 @@
                     <a:lstStyle/>
                     <a:p>
                       <a:r>
+                        <a:rPr kumimoji="1" lang="ja-JP" altLang="en-US" sz="1600" dirty="0">
+                          <a:latin typeface="Meiryo UI" panose="020B0604030504040204" pitchFamily="50" charset="-128"/>
+                          <a:ea typeface="Meiryo UI" panose="020B0604030504040204" pitchFamily="50" charset="-128"/>
+                        </a:rPr>
+                        <a:t>英語</a:t>
+                      </a:r>
+                    </a:p>
+                  </a:txBody>
+                  <a:tcPr/>
+                </a:tc>
+                <a:tc>
+                  <a:txBody>
+                    <a:bodyPr/>
+                    <a:lstStyle/>
+                    <a:p>
+                      <a:r>
                         <a:rPr kumimoji="1" lang="en-US" altLang="ja-JP" sz="1600" dirty="0">
                           <a:latin typeface="Meiryo UI" panose="020B0604030504040204" pitchFamily="50" charset="-128"/>
                           <a:ea typeface="Meiryo UI" panose="020B0604030504040204" pitchFamily="50" charset="-128"/>
@@ -3373,6 +3413,19 @@
                 </a:extLst>
               </a:tr>
               <a:tr h="370840">
+                <a:tc>
+                  <a:txBody>
+                    <a:bodyPr/>
+                    <a:lstStyle/>
+                    <a:p>
+                      <a:endParaRPr kumimoji="1" lang="ja-JP" altLang="en-US" sz="1600" dirty="0">
+                        <a:latin typeface="Meiryo UI" panose="020B0604030504040204" pitchFamily="50" charset="-128"/>
+                        <a:ea typeface="Meiryo UI" panose="020B0604030504040204" pitchFamily="50" charset="-128"/>
+                      </a:endParaRPr>
+                    </a:p>
+                  </a:txBody>
+                  <a:tcPr/>
+                </a:tc>
                 <a:tc>
                   <a:txBody>
                     <a:bodyPr/>
@@ -3484,9 +3537,94 @@
                   </a:txBody>
                   <a:tcPr/>
                 </a:tc>
+                <a:tc>
+                  <a:txBody>
+                    <a:bodyPr/>
+                    <a:lstStyle/>
+                    <a:p>
+                      <a:endParaRPr kumimoji="1" lang="ja-JP" altLang="en-US" sz="1600" dirty="0">
+                        <a:latin typeface="Meiryo UI" panose="020B0604030504040204" pitchFamily="50" charset="-128"/>
+                        <a:ea typeface="Meiryo UI" panose="020B0604030504040204" pitchFamily="50" charset="-128"/>
+                      </a:endParaRPr>
+                    </a:p>
+                  </a:txBody>
+                  <a:tcPr/>
+                </a:tc>
                 <a:extLst>
                   <a:ext uri="{0D108BD9-81ED-4DB2-BD59-A6C34878D82A}">
                     <a16:rowId xmlns:a16="http://schemas.microsoft.com/office/drawing/2014/main" val="3776711851"/>
+                  </a:ext>
+                </a:extLst>
+              </a:tr>
+              <a:tr h="370840">
+                <a:tc>
+                  <a:txBody>
+                    <a:bodyPr/>
+                    <a:lstStyle/>
+                    <a:p>
+                      <a:endParaRPr kumimoji="1" lang="ja-JP" altLang="en-US" sz="1600" dirty="0">
+                        <a:latin typeface="Meiryo UI" panose="020B0604030504040204" pitchFamily="50" charset="-128"/>
+                        <a:ea typeface="Meiryo UI" panose="020B0604030504040204" pitchFamily="50" charset="-128"/>
+                      </a:endParaRPr>
+                    </a:p>
+                  </a:txBody>
+                  <a:tcPr/>
+                </a:tc>
+                <a:tc>
+                  <a:txBody>
+                    <a:bodyPr/>
+                    <a:lstStyle/>
+                    <a:p>
+                      <a:endParaRPr kumimoji="1" lang="ja-JP" altLang="en-US" sz="1600" dirty="0">
+                        <a:latin typeface="Meiryo UI" panose="020B0604030504040204" pitchFamily="50" charset="-128"/>
+                        <a:ea typeface="Meiryo UI" panose="020B0604030504040204" pitchFamily="50" charset="-128"/>
+                      </a:endParaRPr>
+                    </a:p>
+                  </a:txBody>
+                  <a:tcPr/>
+                </a:tc>
+                <a:tc>
+                  <a:txBody>
+                    <a:bodyPr/>
+                    <a:lstStyle/>
+                    <a:p>
+                      <a:endParaRPr kumimoji="1" lang="ja-JP" altLang="en-US" sz="1600" dirty="0">
+                        <a:latin typeface="Meiryo UI" panose="020B0604030504040204" pitchFamily="50" charset="-128"/>
+                        <a:ea typeface="Meiryo UI" panose="020B0604030504040204" pitchFamily="50" charset="-128"/>
+                      </a:endParaRPr>
+                    </a:p>
+                  </a:txBody>
+                  <a:tcPr/>
+                </a:tc>
+                <a:tc>
+                  <a:txBody>
+                    <a:bodyPr/>
+                    <a:lstStyle/>
+                    <a:p>
+                      <a:endParaRPr kumimoji="1" lang="ja-JP" altLang="en-US" sz="1600" dirty="0">
+                        <a:latin typeface="Meiryo UI" panose="020B0604030504040204" pitchFamily="50" charset="-128"/>
+                        <a:ea typeface="Meiryo UI" panose="020B0604030504040204" pitchFamily="50" charset="-128"/>
+                      </a:endParaRPr>
+                    </a:p>
+                  </a:txBody>
+                  <a:tcPr/>
+                </a:tc>
+                <a:tc>
+                  <a:txBody>
+                    <a:bodyPr/>
+                    <a:lstStyle/>
+                    <a:p>
+                      <a:endParaRPr kumimoji="1" lang="ja-JP" altLang="en-US" sz="1600" dirty="0">
+                        <a:latin typeface="Meiryo UI" panose="020B0604030504040204" pitchFamily="50" charset="-128"/>
+                        <a:ea typeface="Meiryo UI" panose="020B0604030504040204" pitchFamily="50" charset="-128"/>
+                      </a:endParaRPr>
+                    </a:p>
+                  </a:txBody>
+                  <a:tcPr/>
+                </a:tc>
+                <a:extLst>
+                  <a:ext uri="{0D108BD9-81ED-4DB2-BD59-A6C34878D82A}">
+                    <a16:rowId xmlns:a16="http://schemas.microsoft.com/office/drawing/2014/main" val="328624078"/>
                   </a:ext>
                 </a:extLst>
               </a:tr>
@@ -3508,7 +3646,7 @@
         </p:nvSpPr>
         <p:spPr>
           <a:xfrm>
-            <a:off x="519600" y="3380746"/>
+            <a:off x="519600" y="3717853"/>
             <a:ext cx="11062800" cy="369332"/>
           </a:xfrm>
           <a:prstGeom prst="rect">
@@ -3556,7 +3694,7 @@
         </p:nvSpPr>
         <p:spPr>
           <a:xfrm>
-            <a:off x="609600" y="3750077"/>
+            <a:off x="609600" y="4156731"/>
             <a:ext cx="11062800" cy="584775"/>
           </a:xfrm>
           <a:prstGeom prst="rect">
@@ -3629,10 +3767,10 @@
       </p:sp>
       <p:sp>
         <p:nvSpPr>
-          <p:cNvPr id="11" name="正方形/長方形 10">
-            <a:extLst>
-              <a:ext uri="{FF2B5EF4-FFF2-40B4-BE49-F238E27FC236}">
-                <a16:creationId xmlns:a16="http://schemas.microsoft.com/office/drawing/2014/main" id="{5D3318CF-F323-4178-9836-EBD543C6417B}"/>
+          <p:cNvPr id="16" name="正方形/長方形 15">
+            <a:extLst>
+              <a:ext uri="{FF2B5EF4-FFF2-40B4-BE49-F238E27FC236}">
+                <a16:creationId xmlns:a16="http://schemas.microsoft.com/office/drawing/2014/main" id="{16A70442-3108-4885-A030-DCC73EB67FC6}"/>
               </a:ext>
             </a:extLst>
           </p:cNvPr>
@@ -3641,8 +3779,8 @@
         </p:nvSpPr>
         <p:spPr>
           <a:xfrm>
-            <a:off x="519600" y="4827805"/>
-            <a:ext cx="11062800" cy="369332"/>
+            <a:off x="6141000" y="694274"/>
+            <a:ext cx="5670699" cy="307777"/>
           </a:xfrm>
           <a:prstGeom prst="rect">
             <a:avLst/>
@@ -3655,39 +3793,85 @@
           <a:lstStyle/>
           <a:p>
             <a:r>
-              <a:rPr lang="ja-JP" altLang="en-US" dirty="0">
+              <a:rPr lang="ja-JP" altLang="en-US" sz="1400" dirty="0">
                 <a:latin typeface="Meiryo UI" panose="020B0604030504040204" pitchFamily="50" charset="-128"/>
                 <a:ea typeface="Meiryo UI" panose="020B0604030504040204" pitchFamily="50" charset="-128"/>
               </a:rPr>
-              <a:t>ワークショップ後の自身</a:t>
-            </a:r>
-            <a:r>
-              <a:rPr lang="en-US" altLang="ja-JP" dirty="0">
+              <a:t>会社名</a:t>
+            </a:r>
+            <a:r>
+              <a:rPr lang="en-US" altLang="ja-JP" sz="1400" dirty="0">
                 <a:latin typeface="Meiryo UI" panose="020B0604030504040204" pitchFamily="50" charset="-128"/>
                 <a:ea typeface="Meiryo UI" panose="020B0604030504040204" pitchFamily="50" charset="-128"/>
               </a:rPr>
-              <a:t>/</a:t>
-            </a:r>
-            <a:r>
-              <a:rPr lang="ja-JP" altLang="en-US" dirty="0">
+              <a:t>:                           </a:t>
+            </a:r>
+            <a:r>
+              <a:rPr lang="ja-JP" altLang="en-US" sz="1400" dirty="0">
                 <a:latin typeface="Meiryo UI" panose="020B0604030504040204" pitchFamily="50" charset="-128"/>
                 <a:ea typeface="Meiryo UI" panose="020B0604030504040204" pitchFamily="50" charset="-128"/>
               </a:rPr>
-              <a:t>社内でのチャレンジ</a:t>
-            </a:r>
-            <a:endParaRPr lang="en-US" altLang="ja-JP" dirty="0">
-              <a:latin typeface="Meiryo UI" panose="020B0604030504040204" pitchFamily="50" charset="-128"/>
-              <a:ea typeface="Meiryo UI" panose="020B0604030504040204" pitchFamily="50" charset="-128"/>
-            </a:endParaRPr>
+              <a:t>氏名</a:t>
+            </a:r>
+            <a:r>
+              <a:rPr lang="en-US" altLang="ja-JP" sz="1400" dirty="0">
+                <a:latin typeface="Meiryo UI" panose="020B0604030504040204" pitchFamily="50" charset="-128"/>
+                <a:ea typeface="Meiryo UI" panose="020B0604030504040204" pitchFamily="50" charset="-128"/>
+              </a:rPr>
+              <a:t>:</a:t>
+            </a:r>
           </a:p>
         </p:txBody>
       </p:sp>
+      <p:cxnSp>
+        <p:nvCxnSpPr>
+          <p:cNvPr id="17" name="直線コネクタ 16">
+            <a:extLst>
+              <a:ext uri="{FF2B5EF4-FFF2-40B4-BE49-F238E27FC236}">
+                <a16:creationId xmlns:a16="http://schemas.microsoft.com/office/drawing/2014/main" id="{E68A8D47-54FA-4959-9219-47B0F429E90C}"/>
+              </a:ext>
+            </a:extLst>
+          </p:cNvPr>
+          <p:cNvCxnSpPr>
+            <a:cxnSpLocks/>
+          </p:cNvCxnSpPr>
+          <p:nvPr/>
+        </p:nvCxnSpPr>
+        <p:spPr>
+          <a:xfrm>
+            <a:off x="6258187" y="1008405"/>
+            <a:ext cx="5553512" cy="0"/>
+          </a:xfrm>
+          <a:prstGeom prst="line">
+            <a:avLst/>
+          </a:prstGeom>
+          <a:ln w="9525">
+            <a:solidFill>
+              <a:schemeClr val="tx1"/>
+            </a:solidFill>
+          </a:ln>
+        </p:spPr>
+        <p:style>
+          <a:lnRef idx="1">
+            <a:schemeClr val="accent1"/>
+          </a:lnRef>
+          <a:fillRef idx="0">
+            <a:schemeClr val="accent1"/>
+          </a:fillRef>
+          <a:effectRef idx="0">
+            <a:schemeClr val="accent1"/>
+          </a:effectRef>
+          <a:fontRef idx="minor">
+            <a:schemeClr val="tx1"/>
+          </a:fontRef>
+        </p:style>
+      </p:cxnSp>
       <p:sp>
         <p:nvSpPr>
-          <p:cNvPr id="14" name="正方形/長方形 13">
-            <a:extLst>
-              <a:ext uri="{FF2B5EF4-FFF2-40B4-BE49-F238E27FC236}">
-                <a16:creationId xmlns:a16="http://schemas.microsoft.com/office/drawing/2014/main" id="{0D00E030-C962-4A50-9BFF-59B64DF6F774}"/>
+          <p:cNvPr id="8" name="正方形/長方形 7">
+            <a:extLst>
+              <a:ext uri="{FF2B5EF4-FFF2-40B4-BE49-F238E27FC236}">
+                <a16:creationId xmlns:a16="http://schemas.microsoft.com/office/drawing/2014/main" id="{C5E79576-F523-4374-B2FA-1A7B74CCB68F}"/>
               </a:ext>
             </a:extLst>
           </p:cNvPr>
@@ -3696,19 +3880,19 @@
         </p:nvSpPr>
         <p:spPr>
           <a:xfrm>
-            <a:off x="609599" y="5298431"/>
-            <a:ext cx="11202100" cy="908549"/>
+            <a:off x="609599" y="2114062"/>
+            <a:ext cx="11202100" cy="498135"/>
           </a:xfrm>
           <a:prstGeom prst="rect">
             <a:avLst/>
           </a:prstGeom>
           <a:solidFill>
-            <a:schemeClr val="bg1"/>
+            <a:srgbClr val="BFBFBF">
+              <a:alpha val="50196"/>
+            </a:srgbClr>
           </a:solidFill>
           <a:ln>
-            <a:solidFill>
-              <a:schemeClr val="bg1"/>
-            </a:solidFill>
+            <a:noFill/>
           </a:ln>
         </p:spPr>
         <p:style>
@@ -3751,10 +3935,10 @@
       </p:sp>
       <p:sp>
         <p:nvSpPr>
-          <p:cNvPr id="15" name="正方形/長方形 14">
-            <a:extLst>
-              <a:ext uri="{FF2B5EF4-FFF2-40B4-BE49-F238E27FC236}">
-                <a16:creationId xmlns:a16="http://schemas.microsoft.com/office/drawing/2014/main" id="{BAE3F398-1CFF-4C72-9190-3D8F87636872}"/>
+          <p:cNvPr id="5" name="吹き出し: 右矢印 4">
+            <a:extLst>
+              <a:ext uri="{FF2B5EF4-FFF2-40B4-BE49-F238E27FC236}">
+                <a16:creationId xmlns:a16="http://schemas.microsoft.com/office/drawing/2014/main" id="{F8C1D823-F11F-4F60-A17D-1D73DAF102AD}"/>
               </a:ext>
             </a:extLst>
           </p:cNvPr>
@@ -3762,192 +3946,25 @@
           <p:nvPr/>
         </p:nvSpPr>
         <p:spPr>
-          <a:xfrm>
-            <a:off x="609600" y="5298430"/>
-            <a:ext cx="11062800" cy="584775"/>
-          </a:xfrm>
-          <a:prstGeom prst="rect">
-            <a:avLst/>
-          </a:prstGeom>
-        </p:spPr>
-        <p:txBody>
-          <a:bodyPr wrap="square">
-            <a:spAutoFit/>
-          </a:bodyPr>
-          <a:lstStyle/>
-          <a:p>
-            <a:r>
-              <a:rPr lang="en-US" altLang="ja-JP" sz="1600" dirty="0">
-                <a:latin typeface="Meiryo UI" panose="020B0604030504040204" pitchFamily="50" charset="-128"/>
-                <a:ea typeface="Meiryo UI" panose="020B0604030504040204" pitchFamily="50" charset="-128"/>
-              </a:rPr>
-              <a:t>(</a:t>
-            </a:r>
-            <a:r>
-              <a:rPr lang="ja-JP" altLang="en-US" sz="1600" dirty="0">
-                <a:latin typeface="Meiryo UI" panose="020B0604030504040204" pitchFamily="50" charset="-128"/>
-                <a:ea typeface="Meiryo UI" panose="020B0604030504040204" pitchFamily="50" charset="-128"/>
-              </a:rPr>
-              <a:t>記載欄</a:t>
-            </a:r>
-            <a:r>
-              <a:rPr lang="en-US" altLang="ja-JP" sz="1600" dirty="0">
-                <a:latin typeface="Meiryo UI" panose="020B0604030504040204" pitchFamily="50" charset="-128"/>
-                <a:ea typeface="Meiryo UI" panose="020B0604030504040204" pitchFamily="50" charset="-128"/>
-              </a:rPr>
-              <a:t>: Python</a:t>
-            </a:r>
-            <a:r>
-              <a:rPr lang="ja-JP" altLang="en-US" sz="1600" dirty="0">
-                <a:latin typeface="Meiryo UI" panose="020B0604030504040204" pitchFamily="50" charset="-128"/>
-                <a:ea typeface="Meiryo UI" panose="020B0604030504040204" pitchFamily="50" charset="-128"/>
-              </a:rPr>
-              <a:t>の勉強の開始、データ活用の検討の推進・・・など</a:t>
-            </a:r>
-            <a:r>
-              <a:rPr lang="en-US" altLang="ja-JP" sz="1600" dirty="0">
-                <a:latin typeface="Meiryo UI" panose="020B0604030504040204" pitchFamily="50" charset="-128"/>
-                <a:ea typeface="Meiryo UI" panose="020B0604030504040204" pitchFamily="50" charset="-128"/>
-              </a:rPr>
-              <a:t>)</a:t>
-            </a:r>
-          </a:p>
-          <a:p>
-            <a:endParaRPr lang="en-US" altLang="ja-JP" sz="1600" dirty="0">
-              <a:latin typeface="Meiryo UI" panose="020B0604030504040204" pitchFamily="50" charset="-128"/>
-              <a:ea typeface="Meiryo UI" panose="020B0604030504040204" pitchFamily="50" charset="-128"/>
-            </a:endParaRPr>
-          </a:p>
-        </p:txBody>
-      </p:sp>
-      <p:sp>
-        <p:nvSpPr>
-          <p:cNvPr id="16" name="正方形/長方形 15">
-            <a:extLst>
-              <a:ext uri="{FF2B5EF4-FFF2-40B4-BE49-F238E27FC236}">
-                <a16:creationId xmlns:a16="http://schemas.microsoft.com/office/drawing/2014/main" id="{16A70442-3108-4885-A030-DCC73EB67FC6}"/>
-              </a:ext>
-            </a:extLst>
-          </p:cNvPr>
-          <p:cNvSpPr/>
-          <p:nvPr/>
-        </p:nvSpPr>
-        <p:spPr>
-          <a:xfrm>
-            <a:off x="6141000" y="694274"/>
-            <a:ext cx="5670699" cy="307777"/>
-          </a:xfrm>
-          <a:prstGeom prst="rect">
-            <a:avLst/>
-          </a:prstGeom>
-        </p:spPr>
-        <p:txBody>
-          <a:bodyPr wrap="square">
-            <a:spAutoFit/>
-          </a:bodyPr>
-          <a:lstStyle/>
-          <a:p>
-            <a:r>
-              <a:rPr lang="ja-JP" altLang="en-US" sz="1400" dirty="0">
-                <a:latin typeface="Meiryo UI" panose="020B0604030504040204" pitchFamily="50" charset="-128"/>
-                <a:ea typeface="Meiryo UI" panose="020B0604030504040204" pitchFamily="50" charset="-128"/>
-              </a:rPr>
-              <a:t>会社名</a:t>
-            </a:r>
-            <a:r>
-              <a:rPr lang="en-US" altLang="ja-JP" sz="1400" dirty="0">
-                <a:latin typeface="Meiryo UI" panose="020B0604030504040204" pitchFamily="50" charset="-128"/>
-                <a:ea typeface="Meiryo UI" panose="020B0604030504040204" pitchFamily="50" charset="-128"/>
-              </a:rPr>
-              <a:t>:                           </a:t>
-            </a:r>
-            <a:r>
-              <a:rPr lang="ja-JP" altLang="en-US" sz="1400" dirty="0">
-                <a:latin typeface="Meiryo UI" panose="020B0604030504040204" pitchFamily="50" charset="-128"/>
-                <a:ea typeface="Meiryo UI" panose="020B0604030504040204" pitchFamily="50" charset="-128"/>
-              </a:rPr>
-              <a:t>氏名</a:t>
-            </a:r>
-            <a:r>
-              <a:rPr lang="en-US" altLang="ja-JP" sz="1400" dirty="0">
-                <a:latin typeface="Meiryo UI" panose="020B0604030504040204" pitchFamily="50" charset="-128"/>
-                <a:ea typeface="Meiryo UI" panose="020B0604030504040204" pitchFamily="50" charset="-128"/>
-              </a:rPr>
-              <a:t>:</a:t>
-            </a:r>
-          </a:p>
-        </p:txBody>
-      </p:sp>
-      <p:cxnSp>
-        <p:nvCxnSpPr>
-          <p:cNvPr id="17" name="直線コネクタ 16">
-            <a:extLst>
-              <a:ext uri="{FF2B5EF4-FFF2-40B4-BE49-F238E27FC236}">
-                <a16:creationId xmlns:a16="http://schemas.microsoft.com/office/drawing/2014/main" id="{E68A8D47-54FA-4959-9219-47B0F429E90C}"/>
-              </a:ext>
-            </a:extLst>
-          </p:cNvPr>
-          <p:cNvCxnSpPr>
-            <a:cxnSpLocks/>
-          </p:cNvCxnSpPr>
-          <p:nvPr/>
-        </p:nvCxnSpPr>
-        <p:spPr>
-          <a:xfrm>
-            <a:off x="6258187" y="1008405"/>
-            <a:ext cx="5553512" cy="0"/>
-          </a:xfrm>
-          <a:prstGeom prst="line">
-            <a:avLst/>
-          </a:prstGeom>
-          <a:ln w="9525">
-            <a:solidFill>
-              <a:schemeClr val="tx1"/>
-            </a:solidFill>
-          </a:ln>
-        </p:spPr>
-        <p:style>
-          <a:lnRef idx="1">
-            <a:schemeClr val="accent1"/>
-          </a:lnRef>
-          <a:fillRef idx="0">
-            <a:schemeClr val="accent1"/>
-          </a:fillRef>
-          <a:effectRef idx="0">
-            <a:schemeClr val="accent1"/>
-          </a:effectRef>
-          <a:fontRef idx="minor">
-            <a:schemeClr val="tx1"/>
-          </a:fontRef>
-        </p:style>
-      </p:cxnSp>
-      <p:sp>
-        <p:nvSpPr>
-          <p:cNvPr id="8" name="正方形/長方形 7">
-            <a:extLst>
-              <a:ext uri="{FF2B5EF4-FFF2-40B4-BE49-F238E27FC236}">
-                <a16:creationId xmlns:a16="http://schemas.microsoft.com/office/drawing/2014/main" id="{C5E79576-F523-4374-B2FA-1A7B74CCB68F}"/>
-              </a:ext>
-            </a:extLst>
-          </p:cNvPr>
-          <p:cNvSpPr/>
-          <p:nvPr/>
-        </p:nvSpPr>
-        <p:spPr>
-          <a:xfrm>
-            <a:off x="609599" y="2114062"/>
-            <a:ext cx="11202100" cy="498135"/>
-          </a:xfrm>
-          <a:prstGeom prst="rect">
-            <a:avLst/>
+          <a:xfrm flipH="1">
+            <a:off x="10117122" y="2114062"/>
+            <a:ext cx="1988191" cy="498135"/>
+          </a:xfrm>
+          <a:prstGeom prst="rightArrowCallout">
+            <a:avLst>
+              <a:gd name="adj1" fmla="val 25000"/>
+              <a:gd name="adj2" fmla="val 25000"/>
+              <a:gd name="adj3" fmla="val 25000"/>
+              <a:gd name="adj4" fmla="val 77213"/>
+            </a:avLst>
           </a:prstGeom>
           <a:solidFill>
-            <a:srgbClr val="BFBFBF">
-              <a:alpha val="50196"/>
-            </a:srgbClr>
+            <a:schemeClr val="bg1"/>
           </a:solidFill>
           <a:ln>
-            <a:noFill/>
+            <a:solidFill>
+              <a:schemeClr val="accent2"/>
+            </a:solidFill>
           </a:ln>
         </p:spPr>
         <p:style>
@@ -3980,20 +3997,65 @@
                 <a:spcPts val="1200"/>
               </a:spcAft>
             </a:pPr>
-            <a:endParaRPr kumimoji="1" lang="ja-JP" altLang="en-US" dirty="0" err="1">
-              <a:solidFill>
-                <a:schemeClr val="tx1"/>
-              </a:solidFill>
-            </a:endParaRPr>
+            <a:r>
+              <a:rPr kumimoji="1" lang="en-US" altLang="ja-JP" sz="1200" dirty="0">
+                <a:solidFill>
+                  <a:schemeClr val="tx1"/>
+                </a:solidFill>
+                <a:latin typeface="Meiryo UI" panose="020B0604030504040204" pitchFamily="50" charset="-128"/>
+                <a:ea typeface="Meiryo UI" panose="020B0604030504040204" pitchFamily="50" charset="-128"/>
+              </a:rPr>
+              <a:t>Workshop</a:t>
+            </a:r>
+            <a:r>
+              <a:rPr kumimoji="1" lang="ja-JP" altLang="en-US" sz="1200" dirty="0">
+                <a:solidFill>
+                  <a:schemeClr val="tx1"/>
+                </a:solidFill>
+                <a:latin typeface="Meiryo UI" panose="020B0604030504040204" pitchFamily="50" charset="-128"/>
+                <a:ea typeface="Meiryo UI" panose="020B0604030504040204" pitchFamily="50" charset="-128"/>
+              </a:rPr>
+              <a:t>内で実施</a:t>
+            </a:r>
           </a:p>
         </p:txBody>
       </p:sp>
+    </p:spTree>
+    <p:extLst>
+      <p:ext uri="{BB962C8B-B14F-4D97-AF65-F5344CB8AC3E}">
+        <p14:creationId xmlns:p14="http://schemas.microsoft.com/office/powerpoint/2010/main" val="2944512900"/>
+      </p:ext>
+    </p:extLst>
+  </p:cSld>
+  <p:clrMapOvr>
+    <a:masterClrMapping/>
+  </p:clrMapOvr>
+</p:sld>
+</file>
+
+<file path=ppt/slides/slide2.xml><?xml version="1.0" encoding="utf-8"?>
+<p:sld xmlns:a="http://schemas.openxmlformats.org/drawingml/2006/main" xmlns:r="http://schemas.openxmlformats.org/officeDocument/2006/relationships" xmlns:p="http://schemas.openxmlformats.org/presentationml/2006/main">
+  <p:cSld>
+    <p:spTree>
+      <p:nvGrpSpPr>
+        <p:cNvPr id="1" name=""/>
+        <p:cNvGrpSpPr/>
+        <p:nvPr/>
+      </p:nvGrpSpPr>
+      <p:grpSpPr>
+        <a:xfrm>
+          <a:off x="0" y="0"/>
+          <a:ext cx="0" cy="0"/>
+          <a:chOff x="0" y="0"/>
+          <a:chExt cx="0" cy="0"/>
+        </a:xfrm>
+      </p:grpSpPr>
       <p:sp>
         <p:nvSpPr>
-          <p:cNvPr id="5" name="吹き出し: 右矢印 4">
-            <a:extLst>
-              <a:ext uri="{FF2B5EF4-FFF2-40B4-BE49-F238E27FC236}">
-                <a16:creationId xmlns:a16="http://schemas.microsoft.com/office/drawing/2014/main" id="{F8C1D823-F11F-4F60-A17D-1D73DAF102AD}"/>
+          <p:cNvPr id="9" name="正方形/長方形 8">
+            <a:extLst>
+              <a:ext uri="{FF2B5EF4-FFF2-40B4-BE49-F238E27FC236}">
+                <a16:creationId xmlns:a16="http://schemas.microsoft.com/office/drawing/2014/main" id="{FA1158FB-CB8C-4994-BEAF-40D6F34FFAE2}"/>
               </a:ext>
             </a:extLst>
           </p:cNvPr>
@@ -4001,24 +4063,19 @@
           <p:nvPr/>
         </p:nvSpPr>
         <p:spPr>
-          <a:xfrm flipH="1">
-            <a:off x="10117122" y="2114062"/>
-            <a:ext cx="1988191" cy="498135"/>
-          </a:xfrm>
-          <a:prstGeom prst="rightArrowCallout">
-            <a:avLst>
-              <a:gd name="adj1" fmla="val 25000"/>
-              <a:gd name="adj2" fmla="val 25000"/>
-              <a:gd name="adj3" fmla="val 25000"/>
-              <a:gd name="adj4" fmla="val 77213"/>
-            </a:avLst>
+          <a:xfrm>
+            <a:off x="609599" y="3924811"/>
+            <a:ext cx="11202100" cy="2238915"/>
+          </a:xfrm>
+          <a:prstGeom prst="rect">
+            <a:avLst/>
           </a:prstGeom>
           <a:solidFill>
             <a:schemeClr val="bg1"/>
           </a:solidFill>
           <a:ln>
             <a:solidFill>
-              <a:schemeClr val="accent2"/>
+              <a:schemeClr val="bg1"/>
             </a:solidFill>
           </a:ln>
         </p:spPr>
@@ -4052,33 +4109,549 @@
                 <a:spcPts val="1200"/>
               </a:spcAft>
             </a:pPr>
-            <a:r>
-              <a:rPr kumimoji="1" lang="en-US" altLang="ja-JP" sz="1200" dirty="0">
-                <a:solidFill>
-                  <a:schemeClr val="tx1"/>
-                </a:solidFill>
+            <a:endParaRPr kumimoji="1" lang="ja-JP" altLang="en-US" dirty="0" err="1">
+              <a:solidFill>
+                <a:schemeClr val="tx1"/>
+              </a:solidFill>
+            </a:endParaRPr>
+          </a:p>
+        </p:txBody>
+      </p:sp>
+      <p:sp>
+        <p:nvSpPr>
+          <p:cNvPr id="2" name="Title 1">
+            <a:extLst>
+              <a:ext uri="{FF2B5EF4-FFF2-40B4-BE49-F238E27FC236}">
+                <a16:creationId xmlns:a16="http://schemas.microsoft.com/office/drawing/2014/main" id="{9797E53B-6DD3-F04A-B739-E4C5074DED9C}"/>
+              </a:ext>
+            </a:extLst>
+          </p:cNvPr>
+          <p:cNvSpPr>
+            <a:spLocks noGrp="1"/>
+          </p:cNvSpPr>
+          <p:nvPr>
+            <p:ph type="title"/>
+          </p:nvPr>
+        </p:nvSpPr>
+        <p:spPr>
+          <a:xfrm>
+            <a:off x="609599" y="606915"/>
+            <a:ext cx="5441401" cy="609601"/>
+          </a:xfrm>
+        </p:spPr>
+        <p:txBody>
+          <a:bodyPr/>
+          <a:lstStyle/>
+          <a:p>
+            <a:r>
+              <a:rPr lang="en-US" altLang="ja-JP" dirty="0" err="1">
+                <a:latin typeface="Meiryo UI" panose="020B0604030504040204" pitchFamily="34" charset="-128"/>
+                <a:ea typeface="Meiryo UI" panose="020B0604030504040204" pitchFamily="34" charset="-128"/>
+              </a:rPr>
+              <a:t>DiveDeep</a:t>
+            </a:r>
+            <a:r>
+              <a:rPr lang="en-US" altLang="ja-JP" dirty="0">
+                <a:latin typeface="Meiryo UI" panose="020B0604030504040204" pitchFamily="34" charset="-128"/>
+                <a:ea typeface="Meiryo UI" panose="020B0604030504040204" pitchFamily="34" charset="-128"/>
+              </a:rPr>
+              <a:t> Homework</a:t>
+            </a:r>
+            <a:endParaRPr lang="en-US" dirty="0">
+              <a:latin typeface="Meiryo UI" panose="020B0604030504040204" pitchFamily="34" charset="-128"/>
+              <a:ea typeface="Meiryo UI" panose="020B0604030504040204" pitchFamily="34" charset="-128"/>
+            </a:endParaRPr>
+          </a:p>
+        </p:txBody>
+      </p:sp>
+      <p:sp>
+        <p:nvSpPr>
+          <p:cNvPr id="4" name="スライド番号プレースホルダー 3">
+            <a:extLst>
+              <a:ext uri="{FF2B5EF4-FFF2-40B4-BE49-F238E27FC236}">
+                <a16:creationId xmlns:a16="http://schemas.microsoft.com/office/drawing/2014/main" id="{6BC1406E-7972-7E47-85FB-D14DA8DA8F17}"/>
+              </a:ext>
+            </a:extLst>
+          </p:cNvPr>
+          <p:cNvSpPr>
+            <a:spLocks noGrp="1"/>
+          </p:cNvSpPr>
+          <p:nvPr>
+            <p:ph type="sldNum" sz="quarter" idx="12"/>
+          </p:nvPr>
+        </p:nvSpPr>
+        <p:spPr/>
+        <p:txBody>
+          <a:bodyPr/>
+          <a:lstStyle/>
+          <a:p>
+            <a:fld id="{7834CDD4-D76F-4459-B025-0310E913C243}" type="slidenum">
+              <a:rPr lang="en-US" smtClean="0"/>
+              <a:pPr/>
+              <a:t>2</a:t>
+            </a:fld>
+            <a:endParaRPr lang="en-US" dirty="0"/>
+          </a:p>
+        </p:txBody>
+      </p:sp>
+      <p:sp>
+        <p:nvSpPr>
+          <p:cNvPr id="6" name="正方形/長方形 5">
+            <a:extLst>
+              <a:ext uri="{FF2B5EF4-FFF2-40B4-BE49-F238E27FC236}">
+                <a16:creationId xmlns:a16="http://schemas.microsoft.com/office/drawing/2014/main" id="{24028082-D2DC-40B2-8DA8-B6413EB612CE}"/>
+              </a:ext>
+            </a:extLst>
+          </p:cNvPr>
+          <p:cNvSpPr/>
+          <p:nvPr/>
+        </p:nvSpPr>
+        <p:spPr>
+          <a:xfrm>
+            <a:off x="519600" y="1096923"/>
+            <a:ext cx="11062800" cy="369332"/>
+          </a:xfrm>
+          <a:prstGeom prst="rect">
+            <a:avLst/>
+          </a:prstGeom>
+        </p:spPr>
+        <p:txBody>
+          <a:bodyPr wrap="square">
+            <a:spAutoFit/>
+          </a:bodyPr>
+          <a:lstStyle/>
+          <a:p>
+            <a:r>
+              <a:rPr lang="ja-JP" altLang="en-US" dirty="0">
                 <a:latin typeface="Meiryo UI" panose="020B0604030504040204" pitchFamily="50" charset="-128"/>
                 <a:ea typeface="Meiryo UI" panose="020B0604030504040204" pitchFamily="50" charset="-128"/>
               </a:rPr>
-              <a:t>Workshop</a:t>
-            </a:r>
-            <a:r>
-              <a:rPr kumimoji="1" lang="ja-JP" altLang="en-US" sz="1200" dirty="0">
-                <a:solidFill>
-                  <a:schemeClr val="tx1"/>
-                </a:solidFill>
+              <a:t>ハンズオンで使用したトヨタの統合報告書以外で実行した結果と、得られた知見を共有ください。</a:t>
+            </a:r>
+            <a:endParaRPr lang="en-US" altLang="ja-JP" dirty="0">
+              <a:latin typeface="Meiryo UI" panose="020B0604030504040204" pitchFamily="50" charset="-128"/>
+              <a:ea typeface="Meiryo UI" panose="020B0604030504040204" pitchFamily="50" charset="-128"/>
+            </a:endParaRPr>
+          </a:p>
+        </p:txBody>
+      </p:sp>
+      <p:sp>
+        <p:nvSpPr>
+          <p:cNvPr id="7" name="正方形/長方形 6">
+            <a:extLst>
+              <a:ext uri="{FF2B5EF4-FFF2-40B4-BE49-F238E27FC236}">
+                <a16:creationId xmlns:a16="http://schemas.microsoft.com/office/drawing/2014/main" id="{380493B4-3654-421B-967D-181B98D15CFC}"/>
+              </a:ext>
+            </a:extLst>
+          </p:cNvPr>
+          <p:cNvSpPr/>
+          <p:nvPr/>
+        </p:nvSpPr>
+        <p:spPr>
+          <a:xfrm>
+            <a:off x="519600" y="3555480"/>
+            <a:ext cx="11062800" cy="369332"/>
+          </a:xfrm>
+          <a:prstGeom prst="rect">
+            <a:avLst/>
+          </a:prstGeom>
+        </p:spPr>
+        <p:txBody>
+          <a:bodyPr wrap="square">
+            <a:spAutoFit/>
+          </a:bodyPr>
+          <a:lstStyle/>
+          <a:p>
+            <a:r>
+              <a:rPr lang="en-US" altLang="ja-JP" dirty="0">
                 <a:latin typeface="Meiryo UI" panose="020B0604030504040204" pitchFamily="50" charset="-128"/>
                 <a:ea typeface="Meiryo UI" panose="020B0604030504040204" pitchFamily="50" charset="-128"/>
               </a:rPr>
-              <a:t>内で実施</a:t>
-            </a:r>
+              <a:t>AWS</a:t>
+            </a:r>
+            <a:r>
+              <a:rPr lang="ja-JP" altLang="en-US" dirty="0">
+                <a:latin typeface="Meiryo UI" panose="020B0604030504040204" pitchFamily="50" charset="-128"/>
+                <a:ea typeface="Meiryo UI" panose="020B0604030504040204" pitchFamily="50" charset="-128"/>
+              </a:rPr>
+              <a:t>に期待する支援</a:t>
+            </a:r>
+            <a:endParaRPr lang="en-US" altLang="ja-JP" dirty="0">
+              <a:latin typeface="Meiryo UI" panose="020B0604030504040204" pitchFamily="50" charset="-128"/>
+              <a:ea typeface="Meiryo UI" panose="020B0604030504040204" pitchFamily="50" charset="-128"/>
+            </a:endParaRPr>
+          </a:p>
+        </p:txBody>
+      </p:sp>
+      <p:sp>
+        <p:nvSpPr>
+          <p:cNvPr id="10" name="正方形/長方形 9">
+            <a:extLst>
+              <a:ext uri="{FF2B5EF4-FFF2-40B4-BE49-F238E27FC236}">
+                <a16:creationId xmlns:a16="http://schemas.microsoft.com/office/drawing/2014/main" id="{81D12E3F-79C7-4724-BE6F-2712564BC4F9}"/>
+              </a:ext>
+            </a:extLst>
+          </p:cNvPr>
+          <p:cNvSpPr/>
+          <p:nvPr/>
+        </p:nvSpPr>
+        <p:spPr>
+          <a:xfrm>
+            <a:off x="609600" y="3924811"/>
+            <a:ext cx="11062800" cy="584775"/>
+          </a:xfrm>
+          <a:prstGeom prst="rect">
+            <a:avLst/>
+          </a:prstGeom>
+        </p:spPr>
+        <p:txBody>
+          <a:bodyPr wrap="square">
+            <a:spAutoFit/>
+          </a:bodyPr>
+          <a:lstStyle/>
+          <a:p>
+            <a:r>
+              <a:rPr lang="en-US" altLang="ja-JP" sz="1600" dirty="0">
+                <a:latin typeface="Meiryo UI" panose="020B0604030504040204" pitchFamily="50" charset="-128"/>
+                <a:ea typeface="Meiryo UI" panose="020B0604030504040204" pitchFamily="50" charset="-128"/>
+              </a:rPr>
+              <a:t>(</a:t>
+            </a:r>
+            <a:r>
+              <a:rPr lang="ja-JP" altLang="en-US" sz="1600" dirty="0">
+                <a:latin typeface="Meiryo UI" panose="020B0604030504040204" pitchFamily="50" charset="-128"/>
+                <a:ea typeface="Meiryo UI" panose="020B0604030504040204" pitchFamily="50" charset="-128"/>
+              </a:rPr>
+              <a:t>記載欄</a:t>
+            </a:r>
+            <a:r>
+              <a:rPr lang="en-US" altLang="ja-JP" sz="1600" dirty="0">
+                <a:latin typeface="Meiryo UI" panose="020B0604030504040204" pitchFamily="50" charset="-128"/>
+                <a:ea typeface="Meiryo UI" panose="020B0604030504040204" pitchFamily="50" charset="-128"/>
+              </a:rPr>
+              <a:t>: </a:t>
+            </a:r>
+            <a:r>
+              <a:rPr lang="ja-JP" altLang="en-US" sz="1600" dirty="0">
+                <a:latin typeface="Meiryo UI" panose="020B0604030504040204" pitchFamily="50" charset="-128"/>
+                <a:ea typeface="Meiryo UI" panose="020B0604030504040204" pitchFamily="50" charset="-128"/>
+              </a:rPr>
+              <a:t>サービスの紹介やハンズオンの実施・・・など</a:t>
+            </a:r>
+            <a:r>
+              <a:rPr lang="en-US" altLang="ja-JP" sz="1600" dirty="0">
+                <a:latin typeface="Meiryo UI" panose="020B0604030504040204" pitchFamily="50" charset="-128"/>
+                <a:ea typeface="Meiryo UI" panose="020B0604030504040204" pitchFamily="50" charset="-128"/>
+              </a:rPr>
+              <a:t>)</a:t>
+            </a:r>
+          </a:p>
+          <a:p>
+            <a:endParaRPr lang="en-US" altLang="ja-JP" sz="1600" dirty="0">
+              <a:latin typeface="Meiryo UI" panose="020B0604030504040204" pitchFamily="50" charset="-128"/>
+              <a:ea typeface="Meiryo UI" panose="020B0604030504040204" pitchFamily="50" charset="-128"/>
+            </a:endParaRPr>
+          </a:p>
+        </p:txBody>
+      </p:sp>
+      <p:sp>
+        <p:nvSpPr>
+          <p:cNvPr id="16" name="正方形/長方形 15">
+            <a:extLst>
+              <a:ext uri="{FF2B5EF4-FFF2-40B4-BE49-F238E27FC236}">
+                <a16:creationId xmlns:a16="http://schemas.microsoft.com/office/drawing/2014/main" id="{16A70442-3108-4885-A030-DCC73EB67FC6}"/>
+              </a:ext>
+            </a:extLst>
+          </p:cNvPr>
+          <p:cNvSpPr/>
+          <p:nvPr/>
+        </p:nvSpPr>
+        <p:spPr>
+          <a:xfrm>
+            <a:off x="6141000" y="694274"/>
+            <a:ext cx="5670699" cy="307777"/>
+          </a:xfrm>
+          <a:prstGeom prst="rect">
+            <a:avLst/>
+          </a:prstGeom>
+        </p:spPr>
+        <p:txBody>
+          <a:bodyPr wrap="square">
+            <a:spAutoFit/>
+          </a:bodyPr>
+          <a:lstStyle/>
+          <a:p>
+            <a:r>
+              <a:rPr lang="ja-JP" altLang="en-US" sz="1400" dirty="0">
+                <a:latin typeface="Meiryo UI" panose="020B0604030504040204" pitchFamily="50" charset="-128"/>
+                <a:ea typeface="Meiryo UI" panose="020B0604030504040204" pitchFamily="50" charset="-128"/>
+              </a:rPr>
+              <a:t>会社名</a:t>
+            </a:r>
+            <a:r>
+              <a:rPr lang="en-US" altLang="ja-JP" sz="1400" dirty="0">
+                <a:latin typeface="Meiryo UI" panose="020B0604030504040204" pitchFamily="50" charset="-128"/>
+                <a:ea typeface="Meiryo UI" panose="020B0604030504040204" pitchFamily="50" charset="-128"/>
+              </a:rPr>
+              <a:t>:                           </a:t>
+            </a:r>
+            <a:r>
+              <a:rPr lang="ja-JP" altLang="en-US" sz="1400" dirty="0">
+                <a:latin typeface="Meiryo UI" panose="020B0604030504040204" pitchFamily="50" charset="-128"/>
+                <a:ea typeface="Meiryo UI" panose="020B0604030504040204" pitchFamily="50" charset="-128"/>
+              </a:rPr>
+              <a:t>氏名</a:t>
+            </a:r>
+            <a:r>
+              <a:rPr lang="en-US" altLang="ja-JP" sz="1400" dirty="0">
+                <a:latin typeface="Meiryo UI" panose="020B0604030504040204" pitchFamily="50" charset="-128"/>
+                <a:ea typeface="Meiryo UI" panose="020B0604030504040204" pitchFamily="50" charset="-128"/>
+              </a:rPr>
+              <a:t>:</a:t>
+            </a:r>
+          </a:p>
+        </p:txBody>
+      </p:sp>
+      <p:cxnSp>
+        <p:nvCxnSpPr>
+          <p:cNvPr id="17" name="直線コネクタ 16">
+            <a:extLst>
+              <a:ext uri="{FF2B5EF4-FFF2-40B4-BE49-F238E27FC236}">
+                <a16:creationId xmlns:a16="http://schemas.microsoft.com/office/drawing/2014/main" id="{E68A8D47-54FA-4959-9219-47B0F429E90C}"/>
+              </a:ext>
+            </a:extLst>
+          </p:cNvPr>
+          <p:cNvCxnSpPr>
+            <a:cxnSpLocks/>
+          </p:cNvCxnSpPr>
+          <p:nvPr/>
+        </p:nvCxnSpPr>
+        <p:spPr>
+          <a:xfrm>
+            <a:off x="6258187" y="1008405"/>
+            <a:ext cx="5553512" cy="0"/>
+          </a:xfrm>
+          <a:prstGeom prst="line">
+            <a:avLst/>
+          </a:prstGeom>
+          <a:ln w="9525">
+            <a:solidFill>
+              <a:schemeClr val="tx1"/>
+            </a:solidFill>
+          </a:ln>
+        </p:spPr>
+        <p:style>
+          <a:lnRef idx="1">
+            <a:schemeClr val="accent1"/>
+          </a:lnRef>
+          <a:fillRef idx="0">
+            <a:schemeClr val="accent1"/>
+          </a:fillRef>
+          <a:effectRef idx="0">
+            <a:schemeClr val="accent1"/>
+          </a:effectRef>
+          <a:fontRef idx="minor">
+            <a:schemeClr val="tx1"/>
+          </a:fontRef>
+        </p:style>
+      </p:cxnSp>
+      <p:sp>
+        <p:nvSpPr>
+          <p:cNvPr id="18" name="正方形/長方形 17">
+            <a:extLst>
+              <a:ext uri="{FF2B5EF4-FFF2-40B4-BE49-F238E27FC236}">
+                <a16:creationId xmlns:a16="http://schemas.microsoft.com/office/drawing/2014/main" id="{F82E0783-2D8A-4958-9F14-D32C72893196}"/>
+              </a:ext>
+            </a:extLst>
+          </p:cNvPr>
+          <p:cNvSpPr/>
+          <p:nvPr/>
+        </p:nvSpPr>
+        <p:spPr>
+          <a:xfrm>
+            <a:off x="519600" y="1466255"/>
+            <a:ext cx="11062800" cy="369332"/>
+          </a:xfrm>
+          <a:prstGeom prst="rect">
+            <a:avLst/>
+          </a:prstGeom>
+        </p:spPr>
+        <p:txBody>
+          <a:bodyPr wrap="square">
+            <a:spAutoFit/>
+          </a:bodyPr>
+          <a:lstStyle/>
+          <a:p>
+            <a:r>
+              <a:rPr lang="ja-JP" altLang="en-US" dirty="0">
+                <a:latin typeface="Meiryo UI" panose="020B0604030504040204" pitchFamily="50" charset="-128"/>
+                <a:ea typeface="Meiryo UI" panose="020B0604030504040204" pitchFamily="50" charset="-128"/>
+              </a:rPr>
+              <a:t>ワークショップ後の自身</a:t>
+            </a:r>
+            <a:r>
+              <a:rPr lang="en-US" altLang="ja-JP" dirty="0">
+                <a:latin typeface="Meiryo UI" panose="020B0604030504040204" pitchFamily="50" charset="-128"/>
+                <a:ea typeface="Meiryo UI" panose="020B0604030504040204" pitchFamily="50" charset="-128"/>
+              </a:rPr>
+              <a:t>/</a:t>
+            </a:r>
+            <a:r>
+              <a:rPr lang="ja-JP" altLang="en-US" dirty="0">
+                <a:latin typeface="Meiryo UI" panose="020B0604030504040204" pitchFamily="50" charset="-128"/>
+                <a:ea typeface="Meiryo UI" panose="020B0604030504040204" pitchFamily="50" charset="-128"/>
+              </a:rPr>
+              <a:t>社内でのチャレンジ</a:t>
+            </a:r>
+            <a:endParaRPr lang="en-US" altLang="ja-JP" dirty="0">
+              <a:latin typeface="Meiryo UI" panose="020B0604030504040204" pitchFamily="50" charset="-128"/>
+              <a:ea typeface="Meiryo UI" panose="020B0604030504040204" pitchFamily="50" charset="-128"/>
+            </a:endParaRPr>
+          </a:p>
+        </p:txBody>
+      </p:sp>
+      <p:sp>
+        <p:nvSpPr>
+          <p:cNvPr id="19" name="正方形/長方形 18">
+            <a:extLst>
+              <a:ext uri="{FF2B5EF4-FFF2-40B4-BE49-F238E27FC236}">
+                <a16:creationId xmlns:a16="http://schemas.microsoft.com/office/drawing/2014/main" id="{EB1E1F8E-591D-4E25-8D60-251AE9BDBBE4}"/>
+              </a:ext>
+            </a:extLst>
+          </p:cNvPr>
+          <p:cNvSpPr/>
+          <p:nvPr/>
+        </p:nvSpPr>
+        <p:spPr>
+          <a:xfrm>
+            <a:off x="609599" y="1936881"/>
+            <a:ext cx="11202100" cy="1484716"/>
+          </a:xfrm>
+          <a:prstGeom prst="rect">
+            <a:avLst/>
+          </a:prstGeom>
+          <a:solidFill>
+            <a:schemeClr val="bg1"/>
+          </a:solidFill>
+          <a:ln>
+            <a:solidFill>
+              <a:schemeClr val="bg1"/>
+            </a:solidFill>
+          </a:ln>
+        </p:spPr>
+        <p:style>
+          <a:lnRef idx="2">
+            <a:schemeClr val="accent1">
+              <a:shade val="50000"/>
+            </a:schemeClr>
+          </a:lnRef>
+          <a:fillRef idx="1">
+            <a:schemeClr val="accent1"/>
+          </a:fillRef>
+          <a:effectRef idx="0">
+            <a:schemeClr val="accent1"/>
+          </a:effectRef>
+          <a:fontRef idx="minor">
+            <a:schemeClr val="lt1"/>
+          </a:fontRef>
+        </p:style>
+        <p:txBody>
+          <a:bodyPr rot="0" spcFirstLastPara="0" vertOverflow="overflow" horzOverflow="overflow" vert="horz" wrap="square" lIns="91440" tIns="45720" rIns="91440" bIns="45720" numCol="1" spcCol="0" rtlCol="0" fromWordArt="0" anchor="ctr" anchorCtr="0" forceAA="0" compatLnSpc="1">
+            <a:prstTxWarp prst="textNoShape">
+              <a:avLst/>
+            </a:prstTxWarp>
+            <a:noAutofit/>
+          </a:bodyPr>
+          <a:lstStyle/>
+          <a:p>
+            <a:pPr algn="ctr">
+              <a:spcAft>
+                <a:spcPts val="1200"/>
+              </a:spcAft>
+            </a:pPr>
+            <a:endParaRPr kumimoji="1" lang="ja-JP" altLang="en-US" dirty="0" err="1">
+              <a:solidFill>
+                <a:schemeClr val="tx1"/>
+              </a:solidFill>
+            </a:endParaRPr>
+          </a:p>
+        </p:txBody>
+      </p:sp>
+      <p:sp>
+        <p:nvSpPr>
+          <p:cNvPr id="20" name="正方形/長方形 19">
+            <a:extLst>
+              <a:ext uri="{FF2B5EF4-FFF2-40B4-BE49-F238E27FC236}">
+                <a16:creationId xmlns:a16="http://schemas.microsoft.com/office/drawing/2014/main" id="{9CA7222D-2459-473B-8508-059B7B7B8936}"/>
+              </a:ext>
+            </a:extLst>
+          </p:cNvPr>
+          <p:cNvSpPr/>
+          <p:nvPr/>
+        </p:nvSpPr>
+        <p:spPr>
+          <a:xfrm>
+            <a:off x="609600" y="1936880"/>
+            <a:ext cx="11062800" cy="584775"/>
+          </a:xfrm>
+          <a:prstGeom prst="rect">
+            <a:avLst/>
+          </a:prstGeom>
+        </p:spPr>
+        <p:txBody>
+          <a:bodyPr wrap="square">
+            <a:spAutoFit/>
+          </a:bodyPr>
+          <a:lstStyle/>
+          <a:p>
+            <a:r>
+              <a:rPr lang="en-US" altLang="ja-JP" sz="1600" dirty="0">
+                <a:latin typeface="Meiryo UI" panose="020B0604030504040204" pitchFamily="50" charset="-128"/>
+                <a:ea typeface="Meiryo UI" panose="020B0604030504040204" pitchFamily="50" charset="-128"/>
+              </a:rPr>
+              <a:t>(</a:t>
+            </a:r>
+            <a:r>
+              <a:rPr lang="ja-JP" altLang="en-US" sz="1600" dirty="0">
+                <a:latin typeface="Meiryo UI" panose="020B0604030504040204" pitchFamily="50" charset="-128"/>
+                <a:ea typeface="Meiryo UI" panose="020B0604030504040204" pitchFamily="50" charset="-128"/>
+              </a:rPr>
+              <a:t>記載欄</a:t>
+            </a:r>
+            <a:r>
+              <a:rPr lang="en-US" altLang="ja-JP" sz="1600" dirty="0">
+                <a:latin typeface="Meiryo UI" panose="020B0604030504040204" pitchFamily="50" charset="-128"/>
+                <a:ea typeface="Meiryo UI" panose="020B0604030504040204" pitchFamily="50" charset="-128"/>
+              </a:rPr>
+              <a:t>: Python</a:t>
+            </a:r>
+            <a:r>
+              <a:rPr lang="ja-JP" altLang="en-US" sz="1600" dirty="0">
+                <a:latin typeface="Meiryo UI" panose="020B0604030504040204" pitchFamily="50" charset="-128"/>
+                <a:ea typeface="Meiryo UI" panose="020B0604030504040204" pitchFamily="50" charset="-128"/>
+              </a:rPr>
+              <a:t>の勉強の開始、データ活用の検討の推進・・・など</a:t>
+            </a:r>
+            <a:r>
+              <a:rPr lang="en-US" altLang="ja-JP" sz="1600" dirty="0">
+                <a:latin typeface="Meiryo UI" panose="020B0604030504040204" pitchFamily="50" charset="-128"/>
+                <a:ea typeface="Meiryo UI" panose="020B0604030504040204" pitchFamily="50" charset="-128"/>
+              </a:rPr>
+              <a:t>)</a:t>
+            </a:r>
+          </a:p>
+          <a:p>
+            <a:endParaRPr lang="en-US" altLang="ja-JP" sz="1600" dirty="0">
+              <a:latin typeface="Meiryo UI" panose="020B0604030504040204" pitchFamily="50" charset="-128"/>
+              <a:ea typeface="Meiryo UI" panose="020B0604030504040204" pitchFamily="50" charset="-128"/>
+            </a:endParaRPr>
           </a:p>
         </p:txBody>
       </p:sp>
     </p:spTree>
     <p:extLst>
       <p:ext uri="{BB962C8B-B14F-4D97-AF65-F5344CB8AC3E}">
-        <p14:creationId xmlns:p14="http://schemas.microsoft.com/office/powerpoint/2010/main" val="2944512900"/>
+        <p14:creationId xmlns:p14="http://schemas.microsoft.com/office/powerpoint/2010/main" val="719780615"/>
       </p:ext>
     </p:extLst>
   </p:cSld>
